--- a/데이터마이닝(CSEG312-01) 프로젝트.pptx
+++ b/데이터마이닝(CSEG312-01) 프로젝트.pptx
@@ -19,7 +19,8 @@
     <p:sldId id="267" r:id="rId13"/>
     <p:sldId id="268" r:id="rId14"/>
     <p:sldId id="271" r:id="rId15"/>
-    <p:sldId id="269" r:id="rId16"/>
+    <p:sldId id="272" r:id="rId16"/>
+    <p:sldId id="269" r:id="rId17"/>
   </p:sldIdLst>
   <p:sldSz cx="12192000" cy="6858000"/>
   <p:notesSz cx="6858000" cy="9144000"/>
@@ -2700,7 +2701,7 @@
           <a:p>
             <a:fld id="{02AC24A9-CCB6-4F8D-B8DB-C2F3692CFA5A}" type="datetimeFigureOut">
               <a:rPr lang="en-US" smtClean="0"/>
-              <a:t>6/19/2024</a:t>
+              <a:t>6/20/2024</a:t>
             </a:fld>
             <a:endParaRPr lang="en-US" dirty="0"/>
           </a:p>
@@ -3070,7 +3071,7 @@
           <a:p>
             <a:fld id="{02AC24A9-CCB6-4F8D-B8DB-C2F3692CFA5A}" type="datetimeFigureOut">
               <a:rPr lang="en-US" smtClean="0"/>
-              <a:t>6/19/2024</a:t>
+              <a:t>6/20/2024</a:t>
             </a:fld>
             <a:endParaRPr lang="en-US"/>
           </a:p>
@@ -3279,7 +3280,7 @@
           <a:p>
             <a:fld id="{02AC24A9-CCB6-4F8D-B8DB-C2F3692CFA5A}" type="datetimeFigureOut">
               <a:rPr lang="en-US" smtClean="0"/>
-              <a:t>6/19/2024</a:t>
+              <a:t>6/20/2024</a:t>
             </a:fld>
             <a:endParaRPr lang="en-US"/>
           </a:p>
@@ -3749,7 +3750,7 @@
           <a:p>
             <a:fld id="{02AC24A9-CCB6-4F8D-B8DB-C2F3692CFA5A}" type="datetimeFigureOut">
               <a:rPr lang="en-US" smtClean="0"/>
-              <a:t>6/19/2024</a:t>
+              <a:t>6/20/2024</a:t>
             </a:fld>
             <a:endParaRPr lang="en-US"/>
           </a:p>
@@ -4203,7 +4204,7 @@
           <a:p>
             <a:fld id="{02AC24A9-CCB6-4F8D-B8DB-C2F3692CFA5A}" type="datetimeFigureOut">
               <a:rPr lang="en-US" smtClean="0"/>
-              <a:t>6/19/2024</a:t>
+              <a:t>6/20/2024</a:t>
             </a:fld>
             <a:endParaRPr lang="en-US"/>
           </a:p>
@@ -4735,7 +4736,7 @@
           <a:p>
             <a:fld id="{02AC24A9-CCB6-4F8D-B8DB-C2F3692CFA5A}" type="datetimeFigureOut">
               <a:rPr lang="en-US" smtClean="0"/>
-              <a:t>6/19/2024</a:t>
+              <a:t>6/20/2024</a:t>
             </a:fld>
             <a:endParaRPr lang="en-US"/>
           </a:p>
@@ -5434,7 +5435,7 @@
           <a:p>
             <a:fld id="{02AC24A9-CCB6-4F8D-B8DB-C2F3692CFA5A}" type="datetimeFigureOut">
               <a:rPr lang="en-US" smtClean="0"/>
-              <a:t>6/19/2024</a:t>
+              <a:t>6/20/2024</a:t>
             </a:fld>
             <a:endParaRPr lang="en-US"/>
           </a:p>
@@ -5763,7 +5764,7 @@
           <a:p>
             <a:fld id="{02AC24A9-CCB6-4F8D-B8DB-C2F3692CFA5A}" type="datetimeFigureOut">
               <a:rPr lang="en-US" smtClean="0"/>
-              <a:t>6/19/2024</a:t>
+              <a:t>6/20/2024</a:t>
             </a:fld>
             <a:endParaRPr lang="en-US"/>
           </a:p>
@@ -5876,7 +5877,7 @@
           <a:p>
             <a:fld id="{02AC24A9-CCB6-4F8D-B8DB-C2F3692CFA5A}" type="datetimeFigureOut">
               <a:rPr lang="en-US" smtClean="0"/>
-              <a:t>6/19/2024</a:t>
+              <a:t>6/20/2024</a:t>
             </a:fld>
             <a:endParaRPr lang="en-US"/>
           </a:p>
@@ -6371,7 +6372,7 @@
           <a:p>
             <a:fld id="{02AC24A9-CCB6-4F8D-B8DB-C2F3692CFA5A}" type="datetimeFigureOut">
               <a:rPr lang="en-US" smtClean="0"/>
-              <a:t>6/19/2024</a:t>
+              <a:t>6/20/2024</a:t>
             </a:fld>
             <a:endParaRPr lang="en-US" dirty="0"/>
           </a:p>
@@ -6848,7 +6849,7 @@
           <a:p>
             <a:fld id="{02AC24A9-CCB6-4F8D-B8DB-C2F3692CFA5A}" type="datetimeFigureOut">
               <a:rPr lang="en-US" smtClean="0"/>
-              <a:t>6/19/2024</a:t>
+              <a:t>6/20/2024</a:t>
             </a:fld>
             <a:endParaRPr lang="en-US"/>
           </a:p>
@@ -7087,7 +7088,7 @@
           <a:p>
             <a:fld id="{02AC24A9-CCB6-4F8D-B8DB-C2F3692CFA5A}" type="datetimeFigureOut">
               <a:rPr lang="en-US" smtClean="0"/>
-              <a:t>6/19/2024</a:t>
+              <a:t>6/20/2024</a:t>
             </a:fld>
             <a:endParaRPr lang="en-US"/>
           </a:p>
@@ -17406,6 +17407,636 @@
           <a:chExt cx="0" cy="0"/>
         </a:xfrm>
       </p:grpSpPr>
+      <p:sp useBgFill="1">
+        <p:nvSpPr>
+          <p:cNvPr id="1030" name="Rectangle 1029">
+            <a:extLst>
+              <a:ext uri="{FF2B5EF4-FFF2-40B4-BE49-F238E27FC236}">
+                <a16:creationId xmlns:a16="http://schemas.microsoft.com/office/drawing/2014/main" id="{2C9A9DA9-7DC8-488B-A882-123947B0F3D9}"/>
+              </a:ext>
+              <a:ext uri="{C183D7F6-B498-43B3-948B-1728B52AA6E4}">
+                <adec:decorative xmlns:adec="http://schemas.microsoft.com/office/drawing/2017/decorative" val="1"/>
+              </a:ext>
+            </a:extLst>
+          </p:cNvPr>
+          <p:cNvSpPr>
+            <a:spLocks noGrp="1" noRot="1" noChangeAspect="1" noMove="1" noResize="1" noEditPoints="1" noAdjustHandles="1" noChangeArrowheads="1" noChangeShapeType="1" noTextEdit="1"/>
+          </p:cNvSpPr>
+          <p:nvPr>
+            <p:extLst>
+              <p:ext uri="{386F3935-93C4-4BCD-93E2-E3B085C9AB24}">
+                <p16:designElem xmlns:p16="http://schemas.microsoft.com/office/powerpoint/2015/main" val="1"/>
+              </p:ext>
+            </p:extLst>
+          </p:nvPr>
+        </p:nvSpPr>
+        <p:spPr>
+          <a:xfrm>
+            <a:off x="0" y="0"/>
+            <a:ext cx="12192000" cy="6858000"/>
+          </a:xfrm>
+          <a:prstGeom prst="rect">
+            <a:avLst/>
+          </a:prstGeom>
+          <a:ln>
+            <a:noFill/>
+          </a:ln>
+        </p:spPr>
+        <p:style>
+          <a:lnRef idx="2">
+            <a:schemeClr val="accent1">
+              <a:shade val="50000"/>
+            </a:schemeClr>
+          </a:lnRef>
+          <a:fillRef idx="1">
+            <a:schemeClr val="accent1"/>
+          </a:fillRef>
+          <a:effectRef idx="0">
+            <a:schemeClr val="accent1"/>
+          </a:effectRef>
+          <a:fontRef idx="minor">
+            <a:schemeClr val="lt1"/>
+          </a:fontRef>
+        </p:style>
+        <p:txBody>
+          <a:bodyPr rtlCol="0" anchor="ctr"/>
+          <a:lstStyle/>
+          <a:p>
+            <a:pPr algn="ctr"/>
+            <a:endParaRPr lang="en-US"/>
+          </a:p>
+        </p:txBody>
+      </p:sp>
+      <p:sp useBgFill="1">
+        <p:nvSpPr>
+          <p:cNvPr id="1032" name="Rectangle 1031">
+            <a:extLst>
+              <a:ext uri="{FF2B5EF4-FFF2-40B4-BE49-F238E27FC236}">
+                <a16:creationId xmlns:a16="http://schemas.microsoft.com/office/drawing/2014/main" id="{57F6BDD4-E066-4008-8011-6CC31AEB4556}"/>
+              </a:ext>
+              <a:ext uri="{C183D7F6-B498-43B3-948B-1728B52AA6E4}">
+                <adec:decorative xmlns:adec="http://schemas.microsoft.com/office/drawing/2017/decorative" val="1"/>
+              </a:ext>
+            </a:extLst>
+          </p:cNvPr>
+          <p:cNvSpPr>
+            <a:spLocks noGrp="1" noRot="1" noChangeAspect="1" noMove="1" noResize="1" noEditPoints="1" noAdjustHandles="1" noChangeArrowheads="1" noChangeShapeType="1" noTextEdit="1"/>
+          </p:cNvSpPr>
+          <p:nvPr>
+            <p:extLst>
+              <p:ext uri="{386F3935-93C4-4BCD-93E2-E3B085C9AB24}">
+                <p16:designElem xmlns:p16="http://schemas.microsoft.com/office/powerpoint/2015/main" val="1"/>
+              </p:ext>
+            </p:extLst>
+          </p:nvPr>
+        </p:nvSpPr>
+        <p:spPr>
+          <a:xfrm>
+            <a:off x="409575" y="633619"/>
+            <a:ext cx="6838569" cy="5495925"/>
+          </a:xfrm>
+          <a:prstGeom prst="rect">
+            <a:avLst/>
+          </a:prstGeom>
+          <a:ln w="9525">
+            <a:solidFill>
+              <a:schemeClr val="tx2">
+                <a:lumMod val="10000"/>
+                <a:lumOff val="90000"/>
+              </a:schemeClr>
+            </a:solidFill>
+          </a:ln>
+          <a:effectLst>
+            <a:outerShdw blurRad="50800" dist="38100" dir="2700000" algn="tl" rotWithShape="0">
+              <a:schemeClr val="bg1">
+                <a:lumMod val="85000"/>
+                <a:alpha val="30000"/>
+              </a:schemeClr>
+            </a:outerShdw>
+          </a:effectLst>
+        </p:spPr>
+        <p:style>
+          <a:lnRef idx="2">
+            <a:schemeClr val="accent1">
+              <a:shade val="50000"/>
+            </a:schemeClr>
+          </a:lnRef>
+          <a:fillRef idx="1">
+            <a:schemeClr val="accent1"/>
+          </a:fillRef>
+          <a:effectRef idx="0">
+            <a:schemeClr val="accent1"/>
+          </a:effectRef>
+          <a:fontRef idx="minor">
+            <a:schemeClr val="lt1"/>
+          </a:fontRef>
+        </p:style>
+        <p:txBody>
+          <a:bodyPr rtlCol="0" anchor="ctr"/>
+          <a:lstStyle/>
+          <a:p>
+            <a:pPr marL="0" marR="0" lvl="0" indent="0" algn="ctr" defTabSz="914400" rtl="0" eaLnBrk="1" fontAlgn="auto" latinLnBrk="0" hangingPunct="1">
+              <a:lnSpc>
+                <a:spcPct val="100000"/>
+              </a:lnSpc>
+              <a:spcBef>
+                <a:spcPts val="0"/>
+              </a:spcBef>
+              <a:spcAft>
+                <a:spcPts val="0"/>
+              </a:spcAft>
+              <a:buClrTx/>
+              <a:buSzTx/>
+              <a:buFontTx/>
+              <a:buNone/>
+              <a:tabLst/>
+              <a:defRPr/>
+            </a:pPr>
+            <a:endParaRPr kumimoji="0" lang="en-US" sz="1800" b="0" i="0" u="none" strike="noStrike" kern="1200" cap="none" spc="0" normalizeH="0" baseline="0" noProof="0">
+              <a:ln>
+                <a:noFill/>
+              </a:ln>
+              <a:solidFill>
+                <a:prstClr val="white"/>
+              </a:solidFill>
+              <a:effectLst/>
+              <a:uLnTx/>
+              <a:uFillTx/>
+              <a:latin typeface="Calibri" panose="020F0502020204030204"/>
+              <a:ea typeface="+mn-ea"/>
+              <a:cs typeface="+mn-cs"/>
+            </a:endParaRPr>
+          </a:p>
+        </p:txBody>
+      </p:sp>
+      <p:sp>
+        <p:nvSpPr>
+          <p:cNvPr id="2" name="제목 1">
+            <a:extLst>
+              <a:ext uri="{FF2B5EF4-FFF2-40B4-BE49-F238E27FC236}">
+                <a16:creationId xmlns:a16="http://schemas.microsoft.com/office/drawing/2014/main" id="{0DC16E13-1A9E-E130-F5DE-69B736516FFE}"/>
+              </a:ext>
+            </a:extLst>
+          </p:cNvPr>
+          <p:cNvSpPr>
+            <a:spLocks noGrp="1"/>
+          </p:cNvSpPr>
+          <p:nvPr>
+            <p:ph type="title"/>
+          </p:nvPr>
+        </p:nvSpPr>
+        <p:spPr>
+          <a:xfrm>
+            <a:off x="841246" y="978619"/>
+            <a:ext cx="5991244" cy="1106424"/>
+          </a:xfrm>
+        </p:spPr>
+        <p:txBody>
+          <a:bodyPr>
+            <a:normAutofit/>
+          </a:bodyPr>
+          <a:lstStyle/>
+          <a:p>
+            <a:pPr>
+              <a:lnSpc>
+                <a:spcPct val="95000"/>
+              </a:lnSpc>
+            </a:pPr>
+            <a:r>
+              <a:rPr lang="en-US" altLang="ko-KR" sz="3000" kern="0" spc="0">
+                <a:effectLst/>
+                <a:latin typeface="한컴바탕"/>
+                <a:ea typeface="한컴바탕"/>
+              </a:rPr>
+              <a:t>Results : </a:t>
+            </a:r>
+            <a:br>
+              <a:rPr lang="en-US" altLang="ko-KR" sz="3000" kern="0" spc="0">
+                <a:effectLst/>
+                <a:latin typeface="한컴바탕"/>
+              </a:rPr>
+            </a:br>
+            <a:endParaRPr lang="ko-KR" altLang="en-US" sz="3000"/>
+          </a:p>
+        </p:txBody>
+      </p:sp>
+      <p:sp>
+        <p:nvSpPr>
+          <p:cNvPr id="1034" name="Rectangle 1033">
+            <a:extLst>
+              <a:ext uri="{FF2B5EF4-FFF2-40B4-BE49-F238E27FC236}">
+                <a16:creationId xmlns:a16="http://schemas.microsoft.com/office/drawing/2014/main" id="{2711A8FB-68FC-45FC-B01E-38F809E2D439}"/>
+              </a:ext>
+              <a:ext uri="{C183D7F6-B498-43B3-948B-1728B52AA6E4}">
+                <adec:decorative xmlns:adec="http://schemas.microsoft.com/office/drawing/2017/decorative" val="1"/>
+              </a:ext>
+            </a:extLst>
+          </p:cNvPr>
+          <p:cNvSpPr>
+            <a:spLocks noGrp="1" noRot="1" noChangeAspect="1" noMove="1" noResize="1" noEditPoints="1" noAdjustHandles="1" noChangeArrowheads="1" noChangeShapeType="1" noTextEdit="1"/>
+          </p:cNvSpPr>
+          <p:nvPr>
+            <p:extLst>
+              <p:ext uri="{386F3935-93C4-4BCD-93E2-E3B085C9AB24}">
+                <p16:designElem xmlns:p16="http://schemas.microsoft.com/office/powerpoint/2015/main" val="1"/>
+              </p:ext>
+            </p:extLst>
+          </p:nvPr>
+        </p:nvSpPr>
+        <p:spPr>
+          <a:xfrm>
+            <a:off x="345567" y="1171300"/>
+            <a:ext cx="128016" cy="704088"/>
+          </a:xfrm>
+          <a:prstGeom prst="rect">
+            <a:avLst/>
+          </a:prstGeom>
+          <a:solidFill>
+            <a:schemeClr val="accent1"/>
+          </a:solidFill>
+          <a:ln>
+            <a:noFill/>
+          </a:ln>
+        </p:spPr>
+        <p:style>
+          <a:lnRef idx="2">
+            <a:schemeClr val="accent1">
+              <a:shade val="50000"/>
+            </a:schemeClr>
+          </a:lnRef>
+          <a:fillRef idx="1">
+            <a:schemeClr val="accent1"/>
+          </a:fillRef>
+          <a:effectRef idx="0">
+            <a:schemeClr val="accent1"/>
+          </a:effectRef>
+          <a:fontRef idx="minor">
+            <a:schemeClr val="lt1"/>
+          </a:fontRef>
+        </p:style>
+        <p:txBody>
+          <a:bodyPr rtlCol="0" anchor="ctr"/>
+          <a:lstStyle/>
+          <a:p>
+            <a:pPr marL="0" marR="0" lvl="0" indent="0" algn="ctr" defTabSz="914400" rtl="0" eaLnBrk="1" fontAlgn="auto" latinLnBrk="0" hangingPunct="1">
+              <a:lnSpc>
+                <a:spcPct val="100000"/>
+              </a:lnSpc>
+              <a:spcBef>
+                <a:spcPts val="0"/>
+              </a:spcBef>
+              <a:spcAft>
+                <a:spcPts val="0"/>
+              </a:spcAft>
+              <a:buClrTx/>
+              <a:buSzTx/>
+              <a:buFontTx/>
+              <a:buNone/>
+              <a:tabLst/>
+              <a:defRPr/>
+            </a:pPr>
+            <a:endParaRPr kumimoji="0" lang="en-US" sz="1800" b="0" i="0" u="none" strike="noStrike" kern="1200" cap="none" spc="0" normalizeH="0" baseline="0" noProof="0">
+              <a:ln>
+                <a:noFill/>
+              </a:ln>
+              <a:solidFill>
+                <a:prstClr val="white"/>
+              </a:solidFill>
+              <a:effectLst/>
+              <a:uLnTx/>
+              <a:uFillTx/>
+              <a:latin typeface="Calibri" panose="020F0502020204030204"/>
+              <a:ea typeface="+mn-ea"/>
+              <a:cs typeface="+mn-cs"/>
+            </a:endParaRPr>
+          </a:p>
+        </p:txBody>
+      </p:sp>
+      <p:sp>
+        <p:nvSpPr>
+          <p:cNvPr id="1036" name="Rectangle 1035">
+            <a:extLst>
+              <a:ext uri="{FF2B5EF4-FFF2-40B4-BE49-F238E27FC236}">
+                <a16:creationId xmlns:a16="http://schemas.microsoft.com/office/drawing/2014/main" id="{2A865FE3-5FC9-4049-87CF-30019C46C0F5}"/>
+              </a:ext>
+              <a:ext uri="{C183D7F6-B498-43B3-948B-1728B52AA6E4}">
+                <adec:decorative xmlns:adec="http://schemas.microsoft.com/office/drawing/2017/decorative" val="1"/>
+              </a:ext>
+            </a:extLst>
+          </p:cNvPr>
+          <p:cNvSpPr>
+            <a:spLocks noGrp="1" noRot="1" noChangeAspect="1" noMove="1" noResize="1" noEditPoints="1" noAdjustHandles="1" noChangeArrowheads="1" noChangeShapeType="1" noTextEdit="1"/>
+          </p:cNvSpPr>
+          <p:nvPr>
+            <p:extLst>
+              <p:ext uri="{386F3935-93C4-4BCD-93E2-E3B085C9AB24}">
+                <p16:designElem xmlns:p16="http://schemas.microsoft.com/office/powerpoint/2015/main" val="1"/>
+              </p:ext>
+            </p:extLst>
+          </p:nvPr>
+        </p:nvSpPr>
+        <p:spPr>
+          <a:xfrm>
+            <a:off x="877458" y="2093976"/>
+            <a:ext cx="5846683" cy="9144"/>
+          </a:xfrm>
+          <a:prstGeom prst="rect">
+            <a:avLst/>
+          </a:prstGeom>
+          <a:solidFill>
+            <a:schemeClr val="tx2">
+              <a:lumMod val="25000"/>
+              <a:lumOff val="75000"/>
+            </a:schemeClr>
+          </a:solidFill>
+          <a:ln w="3175">
+            <a:noFill/>
+          </a:ln>
+          <a:effectLst/>
+        </p:spPr>
+        <p:style>
+          <a:lnRef idx="2">
+            <a:schemeClr val="accent1">
+              <a:shade val="50000"/>
+            </a:schemeClr>
+          </a:lnRef>
+          <a:fillRef idx="1">
+            <a:schemeClr val="accent1"/>
+          </a:fillRef>
+          <a:effectRef idx="0">
+            <a:schemeClr val="accent1"/>
+          </a:effectRef>
+          <a:fontRef idx="minor">
+            <a:schemeClr val="lt1"/>
+          </a:fontRef>
+        </p:style>
+        <p:txBody>
+          <a:bodyPr rtlCol="0" anchor="ctr"/>
+          <a:lstStyle/>
+          <a:p>
+            <a:pPr marL="0" marR="0" lvl="0" indent="0" algn="ctr" defTabSz="914400" rtl="0" eaLnBrk="1" fontAlgn="auto" latinLnBrk="0" hangingPunct="1">
+              <a:lnSpc>
+                <a:spcPct val="100000"/>
+              </a:lnSpc>
+              <a:spcBef>
+                <a:spcPts val="0"/>
+              </a:spcBef>
+              <a:spcAft>
+                <a:spcPts val="0"/>
+              </a:spcAft>
+              <a:buClrTx/>
+              <a:buSzTx/>
+              <a:buFontTx/>
+              <a:buNone/>
+              <a:tabLst/>
+              <a:defRPr/>
+            </a:pPr>
+            <a:endParaRPr kumimoji="0" lang="en-US" sz="1800" b="0" i="0" u="none" strike="noStrike" kern="1200" cap="none" spc="0" normalizeH="0" baseline="0" noProof="0">
+              <a:ln>
+                <a:noFill/>
+              </a:ln>
+              <a:solidFill>
+                <a:prstClr val="white"/>
+              </a:solidFill>
+              <a:effectLst/>
+              <a:uLnTx/>
+              <a:uFillTx/>
+              <a:latin typeface="Calibri" panose="020F0502020204030204"/>
+              <a:ea typeface="+mn-ea"/>
+              <a:cs typeface="+mn-cs"/>
+            </a:endParaRPr>
+          </a:p>
+        </p:txBody>
+      </p:sp>
+      <p:sp>
+        <p:nvSpPr>
+          <p:cNvPr id="3" name="내용 개체 틀 2">
+            <a:extLst>
+              <a:ext uri="{FF2B5EF4-FFF2-40B4-BE49-F238E27FC236}">
+                <a16:creationId xmlns:a16="http://schemas.microsoft.com/office/drawing/2014/main" id="{5112B430-C2A4-C9BC-6218-785A5B89AFEE}"/>
+              </a:ext>
+            </a:extLst>
+          </p:cNvPr>
+          <p:cNvSpPr>
+            <a:spLocks noGrp="1"/>
+          </p:cNvSpPr>
+          <p:nvPr>
+            <p:ph idx="1"/>
+          </p:nvPr>
+        </p:nvSpPr>
+        <p:spPr>
+          <a:xfrm>
+            <a:off x="841248" y="2252870"/>
+            <a:ext cx="5993892" cy="3560251"/>
+          </a:xfrm>
+        </p:spPr>
+        <p:txBody>
+          <a:bodyPr>
+            <a:normAutofit/>
+          </a:bodyPr>
+          <a:lstStyle/>
+          <a:p>
+            <a:pPr marL="0" marR="0" indent="0" fontAlgn="base" latinLnBrk="1">
+              <a:spcBef>
+                <a:spcPts val="0"/>
+              </a:spcBef>
+              <a:spcAft>
+                <a:spcPts val="0"/>
+              </a:spcAft>
+            </a:pPr>
+            <a:r>
+              <a:rPr lang="en-US" altLang="ko-KR" sz="1800" kern="0" spc="0">
+                <a:effectLst/>
+                <a:latin typeface="한컴바탕"/>
+                <a:ea typeface="한컴바탕"/>
+              </a:rPr>
+              <a:t>-Using the best model is better than a same-weight ensemble.</a:t>
+            </a:r>
+            <a:endParaRPr lang="en-US" altLang="ko-KR" sz="1800" kern="0" spc="0">
+              <a:effectLst/>
+              <a:latin typeface="한컴바탕"/>
+            </a:endParaRPr>
+          </a:p>
+          <a:p>
+            <a:pPr marL="0" marR="0" indent="0" fontAlgn="base" latinLnBrk="1">
+              <a:spcBef>
+                <a:spcPts val="0"/>
+              </a:spcBef>
+              <a:spcAft>
+                <a:spcPts val="0"/>
+              </a:spcAft>
+            </a:pPr>
+            <a:r>
+              <a:rPr lang="en-US" altLang="ko-KR" sz="1800" kern="0" spc="0">
+                <a:effectLst/>
+                <a:latin typeface="한컴바탕"/>
+                <a:ea typeface="한컴바탕"/>
+              </a:rPr>
+              <a:t>-Compared to the results of ensemble tuning with original data and processed data, using the original data model yields better results.</a:t>
+            </a:r>
+            <a:endParaRPr lang="en-US" altLang="ko-KR" sz="1800" kern="0" spc="0">
+              <a:effectLst/>
+              <a:latin typeface="한컴바탕"/>
+            </a:endParaRPr>
+          </a:p>
+          <a:p>
+            <a:endParaRPr lang="ko-KR" altLang="en-US" sz="1800"/>
+          </a:p>
+        </p:txBody>
+      </p:sp>
+      <p:pic>
+        <p:nvPicPr>
+          <p:cNvPr id="1025" name="_x457382488">
+            <a:extLst>
+              <a:ext uri="{FF2B5EF4-FFF2-40B4-BE49-F238E27FC236}">
+                <a16:creationId xmlns:a16="http://schemas.microsoft.com/office/drawing/2014/main" id="{604FECF4-E451-B935-00F1-126BB2B3A7FF}"/>
+              </a:ext>
+            </a:extLst>
+          </p:cNvPr>
+          <p:cNvPicPr>
+            <a:picLocks noChangeAspect="1" noChangeArrowheads="1"/>
+          </p:cNvPicPr>
+          <p:nvPr/>
+        </p:nvPicPr>
+        <p:blipFill>
+          <a:blip r:embed="rId2">
+            <a:extLst>
+              <a:ext uri="{28A0092B-C50C-407E-A947-70E740481C1C}">
+                <a14:useLocalDpi xmlns:a14="http://schemas.microsoft.com/office/drawing/2010/main" val="0"/>
+              </a:ext>
+            </a:extLst>
+          </a:blip>
+          <a:stretch>
+            <a:fillRect/>
+          </a:stretch>
+        </p:blipFill>
+        <p:spPr bwMode="auto">
+          <a:xfrm>
+            <a:off x="7679814" y="2128923"/>
+            <a:ext cx="4097657" cy="2499570"/>
+          </a:xfrm>
+          <a:prstGeom prst="rect">
+            <a:avLst/>
+          </a:prstGeom>
+          <a:noFill/>
+          <a:extLst>
+            <a:ext uri="{909E8E84-426E-40DD-AFC4-6F175D3DCCD1}">
+              <a14:hiddenFill xmlns:a14="http://schemas.microsoft.com/office/drawing/2010/main">
+                <a:solidFill>
+                  <a:srgbClr val="FFFFFF"/>
+                </a:solidFill>
+              </a14:hiddenFill>
+            </a:ext>
+          </a:extLst>
+        </p:spPr>
+      </p:pic>
+      <p:sp>
+        <p:nvSpPr>
+          <p:cNvPr id="4" name="Rectangle 2">
+            <a:extLst>
+              <a:ext uri="{FF2B5EF4-FFF2-40B4-BE49-F238E27FC236}">
+                <a16:creationId xmlns:a16="http://schemas.microsoft.com/office/drawing/2014/main" id="{F67CC1C8-8A35-3739-1B41-54227C687BCF}"/>
+              </a:ext>
+            </a:extLst>
+          </p:cNvPr>
+          <p:cNvSpPr>
+            <a:spLocks noChangeArrowheads="1"/>
+          </p:cNvSpPr>
+          <p:nvPr/>
+        </p:nvSpPr>
+        <p:spPr bwMode="auto">
+          <a:xfrm>
+            <a:off x="4821382" y="376174"/>
+            <a:ext cx="12192000" cy="457200"/>
+          </a:xfrm>
+          <a:prstGeom prst="rect">
+            <a:avLst/>
+          </a:prstGeom>
+          <a:noFill/>
+          <a:ln>
+            <a:noFill/>
+          </a:ln>
+          <a:effectLst/>
+          <a:extLst>
+            <a:ext uri="{909E8E84-426E-40DD-AFC4-6F175D3DCCD1}">
+              <a14:hiddenFill xmlns:a14="http://schemas.microsoft.com/office/drawing/2010/main">
+                <a:solidFill>
+                  <a:schemeClr val="accent1"/>
+                </a:solidFill>
+              </a14:hiddenFill>
+            </a:ext>
+            <a:ext uri="{91240B29-F687-4F45-9708-019B960494DF}">
+              <a14:hiddenLine xmlns:a14="http://schemas.microsoft.com/office/drawing/2010/main" w="9525">
+                <a:solidFill>
+                  <a:schemeClr val="tx1"/>
+                </a:solidFill>
+                <a:miter lim="800000"/>
+                <a:headEnd/>
+                <a:tailEnd/>
+              </a14:hiddenLine>
+            </a:ext>
+            <a:ext uri="{AF507438-7753-43E0-B8FC-AC1667EBCBE1}">
+              <a14:hiddenEffects xmlns:a14="http://schemas.microsoft.com/office/drawing/2010/main">
+                <a:effectLst>
+                  <a:outerShdw dist="35921" dir="2700000" algn="ctr" rotWithShape="0">
+                    <a:schemeClr val="bg2"/>
+                  </a:outerShdw>
+                </a:effectLst>
+              </a14:hiddenEffects>
+            </a:ext>
+          </a:extLst>
+        </p:spPr>
+        <p:txBody>
+          <a:bodyPr vert="horz" wrap="none" lIns="91440" tIns="45720" rIns="91440" bIns="45720" numCol="1" anchor="ctr" anchorCtr="0" compatLnSpc="1">
+            <a:prstTxWarp prst="textNoShape">
+              <a:avLst/>
+            </a:prstTxWarp>
+            <a:spAutoFit/>
+          </a:bodyPr>
+          <a:lstStyle/>
+          <a:p>
+            <a:endParaRPr lang="ko-KR" altLang="en-US"/>
+          </a:p>
+        </p:txBody>
+      </p:sp>
+    </p:spTree>
+    <p:extLst>
+      <p:ext uri="{BB962C8B-B14F-4D97-AF65-F5344CB8AC3E}">
+        <p14:creationId xmlns:p14="http://schemas.microsoft.com/office/powerpoint/2010/main" val="704241915"/>
+      </p:ext>
+    </p:extLst>
+  </p:cSld>
+  <p:clrMapOvr>
+    <a:masterClrMapping/>
+  </p:clrMapOvr>
+</p:sld>
+</file>
+
+<file path=ppt/slides/slide16.xml><?xml version="1.0" encoding="utf-8"?>
+<p:sld xmlns:a="http://schemas.openxmlformats.org/drawingml/2006/main" xmlns:r="http://schemas.openxmlformats.org/officeDocument/2006/relationships" xmlns:p="http://schemas.openxmlformats.org/presentationml/2006/main">
+  <p:cSld>
+    <p:bg>
+      <p:bgPr>
+        <a:solidFill>
+          <a:schemeClr val="bg1"/>
+        </a:solidFill>
+        <a:effectLst/>
+      </p:bgPr>
+    </p:bg>
+    <p:spTree>
+      <p:nvGrpSpPr>
+        <p:cNvPr id="1" name=""/>
+        <p:cNvGrpSpPr/>
+        <p:nvPr/>
+      </p:nvGrpSpPr>
+      <p:grpSpPr>
+        <a:xfrm>
+          <a:off x="0" y="0"/>
+          <a:ext cx="0" cy="0"/>
+          <a:chOff x="0" y="0"/>
+          <a:chExt cx="0" cy="0"/>
+        </a:xfrm>
+      </p:grpSpPr>
       <p:sp>
         <p:nvSpPr>
           <p:cNvPr id="10" name="Rectangle 9">
